--- a/MUSCLE alignment.pptx
+++ b/MUSCLE alignment.pptx
@@ -138,13 +138,52 @@
 <file path=ppt/revisionInfo.xml><?xml version="1.0" encoding="utf-8"?>
 <p1510:revInfo xmlns:a="http://schemas.openxmlformats.org/drawingml/2006/main" xmlns:r="http://schemas.openxmlformats.org/officeDocument/2006/relationships" xmlns:p1510="http://schemas.microsoft.com/office/powerpoint/2015/10/main">
   <p1510:revLst>
-    <p1510:client id="{B69994F6-2CFB-491F-87D0-691EA85080E9}" v="11" dt="2025-05-25T20:16:29.248"/>
+    <p1510:client id="{B6CF9C4C-F9EC-4856-BFDE-2BE85069B8C1}" v="1" dt="2025-06-12T13:25:12.108"/>
   </p1510:revLst>
 </p1510:revInfo>
 </file>
 
 <file path=ppt/changesInfos/changesInfo1.xml><?xml version="1.0" encoding="utf-8"?>
 <pc:chgInfo xmlns:a="http://schemas.openxmlformats.org/drawingml/2006/main" xmlns:r="http://schemas.openxmlformats.org/officeDocument/2006/relationships" xmlns:ac="http://schemas.microsoft.com/office/drawing/2013/main/command" xmlns:pc="http://schemas.microsoft.com/office/powerpoint/2013/main/command">
+  <pc:docChgLst>
+    <pc:chgData name="Leonard Jank" userId="2a0bc6b455bee7a7" providerId="LiveId" clId="{B6CF9C4C-F9EC-4856-BFDE-2BE85069B8C1}"/>
+    <pc:docChg chg="modSld">
+      <pc:chgData name="Leonard Jank" userId="2a0bc6b455bee7a7" providerId="LiveId" clId="{B6CF9C4C-F9EC-4856-BFDE-2BE85069B8C1}" dt="2025-06-12T13:26:16.167" v="36" actId="20577"/>
+      <pc:docMkLst>
+        <pc:docMk/>
+      </pc:docMkLst>
+      <pc:sldChg chg="modSp mod">
+        <pc:chgData name="Leonard Jank" userId="2a0bc6b455bee7a7" providerId="LiveId" clId="{B6CF9C4C-F9EC-4856-BFDE-2BE85069B8C1}" dt="2025-06-12T13:25:34.881" v="19" actId="115"/>
+        <pc:sldMkLst>
+          <pc:docMk/>
+          <pc:sldMk cId="1028033192" sldId="256"/>
+        </pc:sldMkLst>
+        <pc:spChg chg="mod">
+          <ac:chgData name="Leonard Jank" userId="2a0bc6b455bee7a7" providerId="LiveId" clId="{B6CF9C4C-F9EC-4856-BFDE-2BE85069B8C1}" dt="2025-06-12T13:25:34.881" v="19" actId="115"/>
+          <ac:spMkLst>
+            <pc:docMk/>
+            <pc:sldMk cId="1028033192" sldId="256"/>
+            <ac:spMk id="3" creationId="{AB73D5B5-9E89-3CD8-4E90-183C25292E90}"/>
+          </ac:spMkLst>
+        </pc:spChg>
+      </pc:sldChg>
+      <pc:sldChg chg="modSp mod">
+        <pc:chgData name="Leonard Jank" userId="2a0bc6b455bee7a7" providerId="LiveId" clId="{B6CF9C4C-F9EC-4856-BFDE-2BE85069B8C1}" dt="2025-06-12T13:26:16.167" v="36" actId="20577"/>
+        <pc:sldMkLst>
+          <pc:docMk/>
+          <pc:sldMk cId="4094527205" sldId="283"/>
+        </pc:sldMkLst>
+        <pc:spChg chg="mod">
+          <ac:chgData name="Leonard Jank" userId="2a0bc6b455bee7a7" providerId="LiveId" clId="{B6CF9C4C-F9EC-4856-BFDE-2BE85069B8C1}" dt="2025-06-12T13:26:16.167" v="36" actId="20577"/>
+          <ac:spMkLst>
+            <pc:docMk/>
+            <pc:sldMk cId="4094527205" sldId="283"/>
+            <ac:spMk id="4" creationId="{05ADAA16-9ABA-4DA1-E188-A613234061A2}"/>
+          </ac:spMkLst>
+        </pc:spChg>
+      </pc:sldChg>
+    </pc:docChg>
+  </pc:docChgLst>
   <pc:docChgLst>
     <pc:chgData name="Leonard Jank" userId="2a0bc6b455bee7a7" providerId="LiveId" clId="{B69994F6-2CFB-491F-87D0-691EA85080E9}"/>
     <pc:docChg chg="custSel addSld delSld modSld sldOrd">
@@ -240,14 +279,6 @@
             <ac:graphicFrameMk id="12" creationId="{A01908F0-3555-DA61-F752-BB3004146137}"/>
           </ac:graphicFrameMkLst>
         </pc:graphicFrameChg>
-        <pc:picChg chg="del">
-          <ac:chgData name="Leonard Jank" userId="2a0bc6b455bee7a7" providerId="LiveId" clId="{B69994F6-2CFB-491F-87D0-691EA85080E9}" dt="2025-05-25T19:17:15.372" v="6" actId="478"/>
-          <ac:picMkLst>
-            <pc:docMk/>
-            <pc:sldMk cId="1133286029" sldId="281"/>
-            <ac:picMk id="11" creationId="{F93F9C7D-7CD4-1552-F20B-49696BE63C23}"/>
-          </ac:picMkLst>
-        </pc:picChg>
       </pc:sldChg>
       <pc:sldChg chg="addSp delSp modSp mod">
         <pc:chgData name="Leonard Jank" userId="2a0bc6b455bee7a7" providerId="LiveId" clId="{B69994F6-2CFB-491F-87D0-691EA85080E9}" dt="2025-05-25T20:16:38.604" v="415" actId="14100"/>
@@ -271,14 +302,6 @@
             <ac:spMk id="4" creationId="{05ADAA16-9ABA-4DA1-E188-A613234061A2}"/>
           </ac:spMkLst>
         </pc:spChg>
-        <pc:graphicFrameChg chg="del">
-          <ac:chgData name="Leonard Jank" userId="2a0bc6b455bee7a7" providerId="LiveId" clId="{B69994F6-2CFB-491F-87D0-691EA85080E9}" dt="2025-05-25T20:13:03.111" v="174" actId="478"/>
-          <ac:graphicFrameMkLst>
-            <pc:docMk/>
-            <pc:sldMk cId="4094527205" sldId="283"/>
-            <ac:graphicFrameMk id="3" creationId="{EDEE4C13-B697-C3BD-BC2E-1C485F65A01F}"/>
-          </ac:graphicFrameMkLst>
-        </pc:graphicFrameChg>
       </pc:sldChg>
       <pc:sldChg chg="add">
         <pc:chgData name="Leonard Jank" userId="2a0bc6b455bee7a7" providerId="LiveId" clId="{B69994F6-2CFB-491F-87D0-691EA85080E9}" dt="2025-05-25T19:17:07.437" v="2" actId="2890"/>
@@ -381,7 +404,7 @@
           <a:p>
             <a:fld id="{FD735496-4007-4307-B306-0E8400C7CB5D}" type="datetimeFigureOut">
               <a:rPr lang="fi-FI" smtClean="0"/>
-              <a:t>25.5.2025</a:t>
+              <a:t>12.6.2025</a:t>
             </a:fld>
             <a:endParaRPr lang="fi-FI"/>
           </a:p>
@@ -926,7 +949,7 @@
           <a:p>
             <a:fld id="{83284890-85D2-4D7B-8EF5-15A9C1DB8F42}" type="datetimeFigureOut">
               <a:rPr lang="en-US" smtClean="0"/>
-              <a:t>5/25/2025</a:t>
+              <a:t>6/12/2025</a:t>
             </a:fld>
             <a:endParaRPr lang="en-US"/>
           </a:p>
@@ -1106,7 +1129,7 @@
           <a:p>
             <a:fld id="{87157CC2-0FC8-4686-B024-99790E0F5162}" type="datetimeFigureOut">
               <a:rPr lang="en-US" smtClean="0"/>
-              <a:t>5/25/2025</a:t>
+              <a:t>6/12/2025</a:t>
             </a:fld>
             <a:endParaRPr lang="en-US"/>
           </a:p>
@@ -1286,7 +1309,7 @@
           <a:p>
             <a:fld id="{F6764DA5-CD3D-4590-A511-FCD3BC7A793E}" type="datetimeFigureOut">
               <a:rPr lang="en-US" smtClean="0"/>
-              <a:t>5/25/2025</a:t>
+              <a:t>6/12/2025</a:t>
             </a:fld>
             <a:endParaRPr lang="en-US"/>
           </a:p>
@@ -1456,7 +1479,7 @@
           <a:p>
             <a:fld id="{82F5661D-6934-4B32-B92C-470368BF1EC6}" type="datetimeFigureOut">
               <a:rPr lang="en-US" smtClean="0"/>
-              <a:t>5/25/2025</a:t>
+              <a:t>6/12/2025</a:t>
             </a:fld>
             <a:endParaRPr lang="en-US"/>
           </a:p>
@@ -1777,7 +1800,7 @@
           <a:p>
             <a:fld id="{C6F822A4-8DA6-4447-9B1F-C5DB58435268}" type="datetimeFigureOut">
               <a:rPr lang="en-US" smtClean="0"/>
-              <a:t>5/25/2025</a:t>
+              <a:t>6/12/2025</a:t>
             </a:fld>
             <a:endParaRPr lang="en-US" dirty="0"/>
           </a:p>
@@ -2238,7 +2261,7 @@
           <a:p>
             <a:fld id="{E548D31E-DCDA-41A7-9C67-C4B11B94D21D}" type="datetimeFigureOut">
               <a:rPr lang="en-US" smtClean="0"/>
-              <a:t>5/25/2025</a:t>
+              <a:t>6/12/2025</a:t>
             </a:fld>
             <a:endParaRPr lang="en-US"/>
           </a:p>
@@ -2649,7 +2672,7 @@
           <a:p>
             <a:fld id="{9B3762C0-B258-48F1-ADE6-176B4174CCDD}" type="datetimeFigureOut">
               <a:rPr lang="en-US" smtClean="0"/>
-              <a:t>5/25/2025</a:t>
+              <a:t>6/12/2025</a:t>
             </a:fld>
             <a:endParaRPr lang="en-US"/>
           </a:p>
@@ -2767,7 +2790,7 @@
           <a:p>
             <a:fld id="{677919A6-33EB-49BD-A62F-1FA56B9F9712}" type="datetimeFigureOut">
               <a:rPr lang="en-US" smtClean="0"/>
-              <a:t>5/25/2025</a:t>
+              <a:t>6/12/2025</a:t>
             </a:fld>
             <a:endParaRPr lang="en-US"/>
           </a:p>
@@ -2885,7 +2908,7 @@
           <a:p>
             <a:fld id="{CA4E7D1B-D673-4CF6-8672-009D42ABD2A0}" type="datetimeFigureOut">
               <a:rPr lang="en-US" smtClean="0"/>
-              <a:t>5/25/2025</a:t>
+              <a:t>6/12/2025</a:t>
             </a:fld>
             <a:endParaRPr lang="en-US"/>
           </a:p>
@@ -3243,7 +3266,7 @@
           <a:p>
             <a:fld id="{DA16AA21-1863-4931-97CB-99D0A168701B}" type="datetimeFigureOut">
               <a:rPr lang="en-US" smtClean="0"/>
-              <a:t>5/25/2025</a:t>
+              <a:t>6/12/2025</a:t>
             </a:fld>
             <a:endParaRPr lang="en-US"/>
           </a:p>
@@ -3750,7 +3773,7 @@
           <a:p>
             <a:fld id="{3772C379-9A7C-4C87-A116-CBE9F58B04C5}" type="datetimeFigureOut">
               <a:rPr lang="en-US" smtClean="0"/>
-              <a:t>5/25/2025</a:t>
+              <a:t>6/12/2025</a:t>
             </a:fld>
             <a:endParaRPr lang="en-US"/>
           </a:p>
@@ -4105,7 +4128,7 @@
           <a:p>
             <a:fld id="{8664C608-40B1-4030-A28D-5B74BC98ADCE}" type="datetimeFigureOut">
               <a:rPr lang="en-US" smtClean="0"/>
-              <a:t>5/25/2025</a:t>
+              <a:t>6/12/2025</a:t>
             </a:fld>
             <a:endParaRPr lang="en-US" dirty="0"/>
           </a:p>
@@ -4979,7 +5002,47 @@
           <a:p>
             <a:pPr algn="ctr"/>
             <a:r>
-              <a:rPr lang="de-DE" dirty="0"/>
+              <a:rPr lang="de-DE" u="sng" dirty="0"/>
+              <a:t>Leonard Jank, </a:t>
+            </a:r>
+            <a:r>
+              <a:rPr lang="en-GB" u="sng" dirty="0">
+                <a:hlinkClick r:id="rId2">
+                  <a:extLst>
+                    <a:ext uri="{A12FA001-AC4F-418D-AE19-62706E023703}">
+                      <ahyp:hlinkClr xmlns:ahyp="http://schemas.microsoft.com/office/drawing/2018/hyperlinkcolor" val="tx"/>
+                    </a:ext>
+                  </a:extLst>
+                </a:hlinkClick>
+              </a:rPr>
+              <a:t>Bassam Ahmed </a:t>
+            </a:r>
+            <a:r>
+              <a:rPr lang="en-GB" u="sng" dirty="0" err="1">
+                <a:hlinkClick r:id="rId2">
+                  <a:extLst>
+                    <a:ext uri="{A12FA001-AC4F-418D-AE19-62706E023703}">
+                      <ahyp:hlinkClr xmlns:ahyp="http://schemas.microsoft.com/office/drawing/2018/hyperlinkcolor" val="tx"/>
+                    </a:ext>
+                  </a:extLst>
+                </a:hlinkClick>
+              </a:rPr>
+              <a:t>Abdelrehim</a:t>
+            </a:r>
+            <a:r>
+              <a:rPr lang="en-GB" u="sng" dirty="0">
+                <a:hlinkClick r:id="rId2">
+                  <a:extLst>
+                    <a:ext uri="{A12FA001-AC4F-418D-AE19-62706E023703}">
+                      <ahyp:hlinkClr xmlns:ahyp="http://schemas.microsoft.com/office/drawing/2018/hyperlinkcolor" val="tx"/>
+                    </a:ext>
+                  </a:extLst>
+                </a:hlinkClick>
+              </a:rPr>
+              <a:t> Ali Edrees</a:t>
+            </a:r>
+            <a:r>
+              <a:rPr lang="de-DE" u="sng" dirty="0"/>
               <a:t> </a:t>
             </a:r>
           </a:p>
@@ -5004,7 +5067,7 @@
           <p:nvPr/>
         </p:nvPicPr>
         <p:blipFill>
-          <a:blip r:embed="rId2">
+          <a:blip r:embed="rId3">
             <a:extLst>
               <a:ext uri="{28A0092B-C50C-407E-A947-70E740481C1C}">
                 <a14:useLocalDpi xmlns:a14="http://schemas.microsoft.com/office/drawing/2010/main" val="0"/>
@@ -6453,7 +6516,7 @@
                 <a:ea typeface="Calibri" panose="020F0502020204030204" pitchFamily="34" charset="0"/>
                 <a:cs typeface="Calibri" panose="020F0502020204030204" pitchFamily="34" charset="0"/>
               </a:rPr>
-              <a:t>+ four different sequences from </a:t>
+              <a:t>+ different sequences for example from </a:t>
             </a:r>
             <a:r>
               <a:rPr lang="en-US" sz="2800" i="1" dirty="0" err="1">
@@ -9728,15 +9791,6 @@
 </file>
 
 <file path=customXml/item1.xml><?xml version="1.0" encoding="utf-8"?>
-<?mso-contentType ?>
-<FormTemplates xmlns="http://schemas.microsoft.com/sharepoint/v3/contenttype/forms">
-  <Display>DocumentLibraryForm</Display>
-  <Edit>DocumentLibraryForm</Edit>
-  <New>DocumentLibraryForm</New>
-</FormTemplates>
-</file>
-
-<file path=customXml/item2.xml><?xml version="1.0" encoding="utf-8"?>
 <ct:contentTypeSchema xmlns:ct="http://schemas.microsoft.com/office/2006/metadata/contentType" xmlns:ma="http://schemas.microsoft.com/office/2006/metadata/properties/metaAttributes" ct:_="" ma:_="" ma:contentTypeName="Document" ma:contentTypeID="0x0101003D82E3700D2F6740A06A9507D1E49097" ma:contentTypeVersion="11" ma:contentTypeDescription="Create a new document." ma:contentTypeScope="" ma:versionID="b0420d88d16eb9eab3cd2cf4bb1ffc96">
   <xsd:schema xmlns:xsd="http://www.w3.org/2001/XMLSchema" xmlns:xs="http://www.w3.org/2001/XMLSchema" xmlns:p="http://schemas.microsoft.com/office/2006/metadata/properties" xmlns:ns3="abc9f95e-d2b3-4e4e-aaef-90a53c5c70cb" xmlns:ns4="4e10ce4d-8efb-4895-a083-0be53205dc6a" targetNamespace="http://schemas.microsoft.com/office/2006/metadata/properties" ma:root="true" ma:fieldsID="166804e90802b68bfc517652da90830a" ns3:_="" ns4:_="">
     <xsd:import namespace="abc9f95e-d2b3-4e4e-aaef-90a53c5c70cb"/>
@@ -9945,6 +9999,15 @@
 </ct:contentTypeSchema>
 </file>
 
+<file path=customXml/item2.xml><?xml version="1.0" encoding="utf-8"?>
+<?mso-contentType ?>
+<FormTemplates xmlns="http://schemas.microsoft.com/sharepoint/v3/contenttype/forms">
+  <Display>DocumentLibraryForm</Display>
+  <Edit>DocumentLibraryForm</Edit>
+  <New>DocumentLibraryForm</New>
+</FormTemplates>
+</file>
+
 <file path=customXml/item3.xml><?xml version="1.0" encoding="utf-8"?>
 <p:properties xmlns:p="http://schemas.microsoft.com/office/2006/metadata/properties" xmlns:xsi="http://www.w3.org/2001/XMLSchema-instance" xmlns:pc="http://schemas.microsoft.com/office/infopath/2007/PartnerControls">
   <documentManagement>
@@ -9954,14 +10017,6 @@
 </file>
 
 <file path=customXml/itemProps1.xml><?xml version="1.0" encoding="utf-8"?>
-<ds:datastoreItem xmlns:ds="http://schemas.openxmlformats.org/officeDocument/2006/customXml" ds:itemID="{241B51A4-A8EE-408B-903B-A5F8F78B8CE0}">
-  <ds:schemaRefs>
-    <ds:schemaRef ds:uri="http://schemas.microsoft.com/sharepoint/v3/contenttype/forms"/>
-  </ds:schemaRefs>
-</ds:datastoreItem>
-</file>
-
-<file path=customXml/itemProps2.xml><?xml version="1.0" encoding="utf-8"?>
 <ds:datastoreItem xmlns:ds="http://schemas.openxmlformats.org/officeDocument/2006/customXml" ds:itemID="{521F6446-0D90-4314-81D8-FA842F08C9D8}">
   <ds:schemaRefs>
     <ds:schemaRef ds:uri="http://schemas.microsoft.com/office/2006/metadata/contentType"/>
@@ -9977,6 +10032,14 @@
     <ds:schemaRef ds:uri="http://purl.org/dc/elements/1.1/"/>
     <ds:schemaRef ds:uri="http://purl.org/dc/terms/"/>
     <ds:schemaRef ds:uri="http://schemas.microsoft.com/internal/obd"/>
+  </ds:schemaRefs>
+</ds:datastoreItem>
+</file>
+
+<file path=customXml/itemProps2.xml><?xml version="1.0" encoding="utf-8"?>
+<ds:datastoreItem xmlns:ds="http://schemas.openxmlformats.org/officeDocument/2006/customXml" ds:itemID="{241B51A4-A8EE-408B-903B-A5F8F78B8CE0}">
+  <ds:schemaRefs>
+    <ds:schemaRef ds:uri="http://schemas.microsoft.com/sharepoint/v3/contenttype/forms"/>
   </ds:schemaRefs>
 </ds:datastoreItem>
 </file>
